--- a/CAD/Mechanical/Superstructure - supporting models/Figure editing/Figure editing.pptx
+++ b/CAD/Mechanical/Superstructure - supporting models/Figure editing/Figure editing.pptx
@@ -294,7 +294,7 @@
           <a:p>
             <a:fld id="{31925197-07B4-483D-AF51-A2B299987776}" type="datetimeFigureOut">
               <a:rPr lang="en-GB" smtClean="0"/>
-              <a:t>22/08/2023</a:t>
+              <a:t>19/02/2024</a:t>
             </a:fld>
             <a:endParaRPr lang="en-GB" dirty="0"/>
           </a:p>
@@ -464,7 +464,7 @@
           <a:p>
             <a:fld id="{31925197-07B4-483D-AF51-A2B299987776}" type="datetimeFigureOut">
               <a:rPr lang="en-GB" smtClean="0"/>
-              <a:t>22/08/2023</a:t>
+              <a:t>19/02/2024</a:t>
             </a:fld>
             <a:endParaRPr lang="en-GB" dirty="0"/>
           </a:p>
@@ -644,7 +644,7 @@
           <a:p>
             <a:fld id="{31925197-07B4-483D-AF51-A2B299987776}" type="datetimeFigureOut">
               <a:rPr lang="en-GB" smtClean="0"/>
-              <a:t>22/08/2023</a:t>
+              <a:t>19/02/2024</a:t>
             </a:fld>
             <a:endParaRPr lang="en-GB" dirty="0"/>
           </a:p>
@@ -814,7 +814,7 @@
           <a:p>
             <a:fld id="{31925197-07B4-483D-AF51-A2B299987776}" type="datetimeFigureOut">
               <a:rPr lang="en-GB" smtClean="0"/>
-              <a:t>22/08/2023</a:t>
+              <a:t>19/02/2024</a:t>
             </a:fld>
             <a:endParaRPr lang="en-GB" dirty="0"/>
           </a:p>
@@ -1060,7 +1060,7 @@
           <a:p>
             <a:fld id="{31925197-07B4-483D-AF51-A2B299987776}" type="datetimeFigureOut">
               <a:rPr lang="en-GB" smtClean="0"/>
-              <a:t>22/08/2023</a:t>
+              <a:t>19/02/2024</a:t>
             </a:fld>
             <a:endParaRPr lang="en-GB" dirty="0"/>
           </a:p>
@@ -1348,7 +1348,7 @@
           <a:p>
             <a:fld id="{31925197-07B4-483D-AF51-A2B299987776}" type="datetimeFigureOut">
               <a:rPr lang="en-GB" smtClean="0"/>
-              <a:t>22/08/2023</a:t>
+              <a:t>19/02/2024</a:t>
             </a:fld>
             <a:endParaRPr lang="en-GB" dirty="0"/>
           </a:p>
@@ -1770,7 +1770,7 @@
           <a:p>
             <a:fld id="{31925197-07B4-483D-AF51-A2B299987776}" type="datetimeFigureOut">
               <a:rPr lang="en-GB" smtClean="0"/>
-              <a:t>22/08/2023</a:t>
+              <a:t>19/02/2024</a:t>
             </a:fld>
             <a:endParaRPr lang="en-GB" dirty="0"/>
           </a:p>
@@ -1888,7 +1888,7 @@
           <a:p>
             <a:fld id="{31925197-07B4-483D-AF51-A2B299987776}" type="datetimeFigureOut">
               <a:rPr lang="en-GB" smtClean="0"/>
-              <a:t>22/08/2023</a:t>
+              <a:t>19/02/2024</a:t>
             </a:fld>
             <a:endParaRPr lang="en-GB" dirty="0"/>
           </a:p>
@@ -1983,7 +1983,7 @@
           <a:p>
             <a:fld id="{31925197-07B4-483D-AF51-A2B299987776}" type="datetimeFigureOut">
               <a:rPr lang="en-GB" smtClean="0"/>
-              <a:t>22/08/2023</a:t>
+              <a:t>19/02/2024</a:t>
             </a:fld>
             <a:endParaRPr lang="en-GB" dirty="0"/>
           </a:p>
@@ -2260,7 +2260,7 @@
           <a:p>
             <a:fld id="{31925197-07B4-483D-AF51-A2B299987776}" type="datetimeFigureOut">
               <a:rPr lang="en-GB" smtClean="0"/>
-              <a:t>22/08/2023</a:t>
+              <a:t>19/02/2024</a:t>
             </a:fld>
             <a:endParaRPr lang="en-GB" dirty="0"/>
           </a:p>
@@ -2513,7 +2513,7 @@
           <a:p>
             <a:fld id="{31925197-07B4-483D-AF51-A2B299987776}" type="datetimeFigureOut">
               <a:rPr lang="en-GB" smtClean="0"/>
-              <a:t>22/08/2023</a:t>
+              <a:t>19/02/2024</a:t>
             </a:fld>
             <a:endParaRPr lang="en-GB" dirty="0"/>
           </a:p>
@@ -2726,7 +2726,7 @@
           <a:p>
             <a:fld id="{31925197-07B4-483D-AF51-A2B299987776}" type="datetimeFigureOut">
               <a:rPr lang="en-GB" smtClean="0"/>
-              <a:t>22/08/2023</a:t>
+              <a:t>19/02/2024</a:t>
             </a:fld>
             <a:endParaRPr lang="en-GB" dirty="0"/>
           </a:p>
@@ -3770,7 +3770,7 @@
             <a:pPr algn="ctr"/>
             <a:r>
               <a:rPr lang="en-GB" sz="1600" dirty="0" smtClean="0"/>
-              <a:t>Mount centring ring with 2x M4x25mm countersunk head screws</a:t>
+              <a:t>Mount centring ring with 2x M4x16mm countersunk head screws</a:t>
             </a:r>
             <a:endParaRPr lang="en-GB" sz="1600" dirty="0"/>
           </a:p>
